--- a/DynamicFileNamingPipeline/DynamicFileNaming.pptx
+++ b/DynamicFileNamingPipeline/DynamicFileNaming.pptx
@@ -582,7 +582,7 @@
           <a:p>
             <a:fld id="{38E7CFFA-C5E0-4E19-B8D5-BBB60124E335}" type="datetimeFigureOut">
               <a:rPr lang="en-IN" smtClean="0"/>
-              <a:t>20-07-2024</a:t>
+              <a:t>21-07-2024</a:t>
             </a:fld>
             <a:endParaRPr lang="en-IN"/>
           </a:p>
@@ -784,7 +784,7 @@
           <a:p>
             <a:fld id="{38E7CFFA-C5E0-4E19-B8D5-BBB60124E335}" type="datetimeFigureOut">
               <a:rPr lang="en-IN" smtClean="0"/>
-              <a:t>20-07-2024</a:t>
+              <a:t>21-07-2024</a:t>
             </a:fld>
             <a:endParaRPr lang="en-IN"/>
           </a:p>
@@ -964,7 +964,7 @@
           <a:p>
             <a:fld id="{38E7CFFA-C5E0-4E19-B8D5-BBB60124E335}" type="datetimeFigureOut">
               <a:rPr lang="en-IN" smtClean="0"/>
-              <a:t>20-07-2024</a:t>
+              <a:t>21-07-2024</a:t>
             </a:fld>
             <a:endParaRPr lang="en-IN"/>
           </a:p>
@@ -1134,7 +1134,7 @@
           <a:p>
             <a:fld id="{38E7CFFA-C5E0-4E19-B8D5-BBB60124E335}" type="datetimeFigureOut">
               <a:rPr lang="en-IN" smtClean="0"/>
-              <a:t>20-07-2024</a:t>
+              <a:t>21-07-2024</a:t>
             </a:fld>
             <a:endParaRPr lang="en-IN"/>
           </a:p>
@@ -1705,7 +1705,7 @@
           <a:p>
             <a:fld id="{38E7CFFA-C5E0-4E19-B8D5-BBB60124E335}" type="datetimeFigureOut">
               <a:rPr lang="en-IN" smtClean="0"/>
-              <a:t>20-07-2024</a:t>
+              <a:t>21-07-2024</a:t>
             </a:fld>
             <a:endParaRPr lang="en-IN"/>
           </a:p>
@@ -2007,7 +2007,7 @@
           <a:p>
             <a:fld id="{38E7CFFA-C5E0-4E19-B8D5-BBB60124E335}" type="datetimeFigureOut">
               <a:rPr lang="en-IN" smtClean="0"/>
-              <a:t>20-07-2024</a:t>
+              <a:t>21-07-2024</a:t>
             </a:fld>
             <a:endParaRPr lang="en-IN"/>
           </a:p>
@@ -2444,7 +2444,7 @@
           <a:p>
             <a:fld id="{38E7CFFA-C5E0-4E19-B8D5-BBB60124E335}" type="datetimeFigureOut">
               <a:rPr lang="en-IN" smtClean="0"/>
-              <a:t>20-07-2024</a:t>
+              <a:t>21-07-2024</a:t>
             </a:fld>
             <a:endParaRPr lang="en-IN"/>
           </a:p>
@@ -2562,7 +2562,7 @@
           <a:p>
             <a:fld id="{38E7CFFA-C5E0-4E19-B8D5-BBB60124E335}" type="datetimeFigureOut">
               <a:rPr lang="en-IN" smtClean="0"/>
-              <a:t>20-07-2024</a:t>
+              <a:t>21-07-2024</a:t>
             </a:fld>
             <a:endParaRPr lang="en-IN"/>
           </a:p>
@@ -2657,7 +2657,7 @@
           <a:p>
             <a:fld id="{38E7CFFA-C5E0-4E19-B8D5-BBB60124E335}" type="datetimeFigureOut">
               <a:rPr lang="en-IN" smtClean="0"/>
-              <a:t>20-07-2024</a:t>
+              <a:t>21-07-2024</a:t>
             </a:fld>
             <a:endParaRPr lang="en-IN"/>
           </a:p>
@@ -3039,7 +3039,7 @@
           <a:p>
             <a:fld id="{38E7CFFA-C5E0-4E19-B8D5-BBB60124E335}" type="datetimeFigureOut">
               <a:rPr lang="en-IN" smtClean="0"/>
-              <a:t>20-07-2024</a:t>
+              <a:t>21-07-2024</a:t>
             </a:fld>
             <a:endParaRPr lang="en-IN"/>
           </a:p>
@@ -3433,7 +3433,7 @@
           <a:p>
             <a:fld id="{38E7CFFA-C5E0-4E19-B8D5-BBB60124E335}" type="datetimeFigureOut">
               <a:rPr lang="en-IN" smtClean="0"/>
-              <a:t>20-07-2024</a:t>
+              <a:t>21-07-2024</a:t>
             </a:fld>
             <a:endParaRPr lang="en-IN"/>
           </a:p>
@@ -3746,7 +3746,7 @@
           <a:p>
             <a:fld id="{38E7CFFA-C5E0-4E19-B8D5-BBB60124E335}" type="datetimeFigureOut">
               <a:rPr lang="en-IN" smtClean="0"/>
-              <a:t>20-07-2024</a:t>
+              <a:t>21-07-2024</a:t>
             </a:fld>
             <a:endParaRPr lang="en-IN"/>
           </a:p>
@@ -4567,21 +4567,16 @@
                 <a:latin typeface="Times New Roman" panose="02020603050405020304" pitchFamily="18" charset="0"/>
                 <a:cs typeface="Times New Roman" panose="02020603050405020304" pitchFamily="18" charset="0"/>
               </a:rPr>
-              <a:t>Run on 19Jul2024: </a:t>
-            </a:r>
-            <a:r>
-              <a:rPr lang="en-US" dirty="0" err="1">
-                <a:latin typeface="Times New Roman" panose="02020603050405020304" pitchFamily="18" charset="0"/>
-                <a:cs typeface="Times New Roman" panose="02020603050405020304" pitchFamily="18" charset="0"/>
-              </a:rPr>
-              <a:t>MonthRevenue_Till</a:t>
-            </a:r>
+              <a:t>Run on 19Jul2024: MonthRevenue_TillDate_Starting30Jun2024_Ending19Jul2024.csv</a:t>
+            </a:r>
+          </a:p>
+          <a:p>
             <a:r>
               <a:rPr lang="en-US" dirty="0">
                 <a:latin typeface="Times New Roman" panose="02020603050405020304" pitchFamily="18" charset="0"/>
                 <a:cs typeface="Times New Roman" panose="02020603050405020304" pitchFamily="18" charset="0"/>
               </a:rPr>
-              <a:t> Date_Starting30Jun2024_Ending19Jul2024.csv</a:t>
+              <a:t>Run on 20Jul2024: MonthRevenue_TillDate_Starting30Jun2024_Ending20Jul2024.csv</a:t>
             </a:r>
           </a:p>
           <a:p>
@@ -4590,67 +4585,16 @@
                 <a:latin typeface="Times New Roman" panose="02020603050405020304" pitchFamily="18" charset="0"/>
                 <a:cs typeface="Times New Roman" panose="02020603050405020304" pitchFamily="18" charset="0"/>
               </a:rPr>
-              <a:t>Run on 20Jul2024: </a:t>
-            </a:r>
-            <a:r>
-              <a:rPr lang="en-US" dirty="0" err="1">
-                <a:latin typeface="Times New Roman" panose="02020603050405020304" pitchFamily="18" charset="0"/>
-                <a:cs typeface="Times New Roman" panose="02020603050405020304" pitchFamily="18" charset="0"/>
-              </a:rPr>
-              <a:t>MonthRevenue_Till</a:t>
-            </a:r>
+              <a:t>Run on 15Aug2024: MonthRevenue_TillDate_Starting31Jul2024_Ending15Aug2024.csv</a:t>
+            </a:r>
+          </a:p>
+          <a:p>
             <a:r>
               <a:rPr lang="en-US" dirty="0">
                 <a:latin typeface="Times New Roman" panose="02020603050405020304" pitchFamily="18" charset="0"/>
                 <a:cs typeface="Times New Roman" panose="02020603050405020304" pitchFamily="18" charset="0"/>
               </a:rPr>
-              <a:t> Date_Starting30Jun2024_Ending20Jul2024.csv</a:t>
-            </a:r>
-          </a:p>
-          <a:p>
-            <a:r>
-              <a:rPr lang="en-US" dirty="0">
-                <a:latin typeface="Times New Roman" panose="02020603050405020304" pitchFamily="18" charset="0"/>
-                <a:cs typeface="Times New Roman" panose="02020603050405020304" pitchFamily="18" charset="0"/>
-              </a:rPr>
-              <a:t>Run on 15Aug2024: </a:t>
-            </a:r>
-            <a:r>
-              <a:rPr lang="en-US" dirty="0" err="1">
-                <a:latin typeface="Times New Roman" panose="02020603050405020304" pitchFamily="18" charset="0"/>
-                <a:cs typeface="Times New Roman" panose="02020603050405020304" pitchFamily="18" charset="0"/>
-              </a:rPr>
-              <a:t>MonthRevenue_Till</a:t>
-            </a:r>
-            <a:r>
-              <a:rPr lang="en-US" dirty="0">
-                <a:latin typeface="Times New Roman" panose="02020603050405020304" pitchFamily="18" charset="0"/>
-                <a:cs typeface="Times New Roman" panose="02020603050405020304" pitchFamily="18" charset="0"/>
-              </a:rPr>
-              <a:t> Date_Starting31Jul2024_Ending15Aug2024.csv</a:t>
-            </a:r>
-          </a:p>
-          <a:p>
-            <a:r>
-              <a:rPr lang="en-US" dirty="0">
-                <a:latin typeface="Times New Roman" panose="02020603050405020304" pitchFamily="18" charset="0"/>
-                <a:cs typeface="Times New Roman" panose="02020603050405020304" pitchFamily="18" charset="0"/>
-              </a:rPr>
-              <a:t>Run on 05Sep2024: </a:t>
-            </a:r>
-            <a:r>
-              <a:rPr lang="en-US" dirty="0" err="1">
-                <a:latin typeface="Times New Roman" panose="02020603050405020304" pitchFamily="18" charset="0"/>
-                <a:cs typeface="Times New Roman" panose="02020603050405020304" pitchFamily="18" charset="0"/>
-              </a:rPr>
-              <a:t>MonthRevenue_Till</a:t>
-            </a:r>
-            <a:r>
-              <a:rPr lang="en-US" dirty="0">
-                <a:latin typeface="Times New Roman" panose="02020603050405020304" pitchFamily="18" charset="0"/>
-                <a:cs typeface="Times New Roman" panose="02020603050405020304" pitchFamily="18" charset="0"/>
-              </a:rPr>
-              <a:t> Date_Starting31Aug2024_Ending05Sep2024.csv</a:t>
+              <a:t>Run on 05Sep2024: MonthRevenue_TillDate_Starting31Aug2024_Ending05Sep2024.csv</a:t>
             </a:r>
           </a:p>
           <a:p>
